--- a/PPT-PPT.pptx
+++ b/PPT-PPT.pptx
@@ -295,7 +295,7 @@
           <a:p>
             <a:fld id="{DBFB922E-2157-4038-A8B0-70732249812D}" type="datetimeFigureOut">
               <a:rPr lang="hu-HU" smtClean="0"/>
-              <a:t>2022.09.13.</a:t>
+              <a:t>2022.09.14.</a:t>
             </a:fld>
             <a:endParaRPr lang="hu-HU" dirty="0"/>
           </a:p>
@@ -562,7 +562,7 @@
           <a:p>
             <a:fld id="{DBFB922E-2157-4038-A8B0-70732249812D}" type="datetimeFigureOut">
               <a:rPr lang="hu-HU" smtClean="0"/>
-              <a:t>2022.09.13.</a:t>
+              <a:t>2022.09.14.</a:t>
             </a:fld>
             <a:endParaRPr lang="hu-HU" dirty="0"/>
           </a:p>
@@ -793,7 +793,7 @@
           <a:p>
             <a:fld id="{DBFB922E-2157-4038-A8B0-70732249812D}" type="datetimeFigureOut">
               <a:rPr lang="hu-HU" smtClean="0"/>
-              <a:t>2022.09.13.</a:t>
+              <a:t>2022.09.14.</a:t>
             </a:fld>
             <a:endParaRPr lang="hu-HU" dirty="0"/>
           </a:p>
@@ -1103,7 +1103,7 @@
           <a:p>
             <a:fld id="{DBFB922E-2157-4038-A8B0-70732249812D}" type="datetimeFigureOut">
               <a:rPr lang="hu-HU" smtClean="0"/>
-              <a:t>2022.09.13.</a:t>
+              <a:t>2022.09.14.</a:t>
             </a:fld>
             <a:endParaRPr lang="hu-HU" dirty="0"/>
           </a:p>
@@ -1576,7 +1576,7 @@
           <a:p>
             <a:fld id="{DBFB922E-2157-4038-A8B0-70732249812D}" type="datetimeFigureOut">
               <a:rPr lang="hu-HU" smtClean="0"/>
-              <a:t>2022.09.13.</a:t>
+              <a:t>2022.09.14.</a:t>
             </a:fld>
             <a:endParaRPr lang="hu-HU" dirty="0"/>
           </a:p>
@@ -2123,7 +2123,7 @@
           <a:p>
             <a:fld id="{DBFB922E-2157-4038-A8B0-70732249812D}" type="datetimeFigureOut">
               <a:rPr lang="hu-HU" smtClean="0"/>
-              <a:t>2022.09.13.</a:t>
+              <a:t>2022.09.14.</a:t>
             </a:fld>
             <a:endParaRPr lang="hu-HU" dirty="0"/>
           </a:p>
@@ -2897,7 +2897,7 @@
           <a:p>
             <a:fld id="{DBFB922E-2157-4038-A8B0-70732249812D}" type="datetimeFigureOut">
               <a:rPr lang="hu-HU" smtClean="0"/>
-              <a:t>2022.09.13.</a:t>
+              <a:t>2022.09.14.</a:t>
             </a:fld>
             <a:endParaRPr lang="hu-HU" dirty="0"/>
           </a:p>
@@ -3072,7 +3072,7 @@
           <a:p>
             <a:fld id="{DBFB922E-2157-4038-A8B0-70732249812D}" type="datetimeFigureOut">
               <a:rPr lang="hu-HU" smtClean="0"/>
-              <a:t>2022.09.13.</a:t>
+              <a:t>2022.09.14.</a:t>
             </a:fld>
             <a:endParaRPr lang="hu-HU" dirty="0"/>
           </a:p>
@@ -3295,7 +3295,7 @@
           <a:p>
             <a:fld id="{DBFB922E-2157-4038-A8B0-70732249812D}" type="datetimeFigureOut">
               <a:rPr lang="hu-HU" smtClean="0"/>
-              <a:t>2022.09.13.</a:t>
+              <a:t>2022.09.14.</a:t>
             </a:fld>
             <a:endParaRPr lang="hu-HU" dirty="0"/>
           </a:p>
@@ -3475,7 +3475,7 @@
           <a:p>
             <a:fld id="{DBFB922E-2157-4038-A8B0-70732249812D}" type="datetimeFigureOut">
               <a:rPr lang="hu-HU" smtClean="0"/>
-              <a:t>2022.09.13.</a:t>
+              <a:t>2022.09.14.</a:t>
             </a:fld>
             <a:endParaRPr lang="hu-HU" dirty="0"/>
           </a:p>
@@ -3764,7 +3764,7 @@
           <a:p>
             <a:fld id="{DBFB922E-2157-4038-A8B0-70732249812D}" type="datetimeFigureOut">
               <a:rPr lang="hu-HU" smtClean="0"/>
-              <a:t>2022.09.13.</a:t>
+              <a:t>2022.09.14.</a:t>
             </a:fld>
             <a:endParaRPr lang="hu-HU" dirty="0"/>
           </a:p>
@@ -4006,7 +4006,7 @@
           <a:p>
             <a:fld id="{DBFB922E-2157-4038-A8B0-70732249812D}" type="datetimeFigureOut">
               <a:rPr lang="hu-HU" smtClean="0"/>
-              <a:t>2022.09.13.</a:t>
+              <a:t>2022.09.14.</a:t>
             </a:fld>
             <a:endParaRPr lang="hu-HU" dirty="0"/>
           </a:p>
@@ -4385,7 +4385,7 @@
           <a:p>
             <a:fld id="{DBFB922E-2157-4038-A8B0-70732249812D}" type="datetimeFigureOut">
               <a:rPr lang="hu-HU" smtClean="0"/>
-              <a:t>2022.09.13.</a:t>
+              <a:t>2022.09.14.</a:t>
             </a:fld>
             <a:endParaRPr lang="hu-HU" dirty="0"/>
           </a:p>
@@ -4503,7 +4503,7 @@
           <a:p>
             <a:fld id="{DBFB922E-2157-4038-A8B0-70732249812D}" type="datetimeFigureOut">
               <a:rPr lang="hu-HU" smtClean="0"/>
-              <a:t>2022.09.13.</a:t>
+              <a:t>2022.09.14.</a:t>
             </a:fld>
             <a:endParaRPr lang="hu-HU" dirty="0"/>
           </a:p>
@@ -4598,7 +4598,7 @@
           <a:p>
             <a:fld id="{DBFB922E-2157-4038-A8B0-70732249812D}" type="datetimeFigureOut">
               <a:rPr lang="hu-HU" smtClean="0"/>
-              <a:t>2022.09.13.</a:t>
+              <a:t>2022.09.14.</a:t>
             </a:fld>
             <a:endParaRPr lang="hu-HU" dirty="0"/>
           </a:p>
@@ -4847,7 +4847,7 @@
           <a:p>
             <a:fld id="{DBFB922E-2157-4038-A8B0-70732249812D}" type="datetimeFigureOut">
               <a:rPr lang="hu-HU" smtClean="0"/>
-              <a:t>2022.09.13.</a:t>
+              <a:t>2022.09.14.</a:t>
             </a:fld>
             <a:endParaRPr lang="hu-HU" dirty="0"/>
           </a:p>
@@ -5104,7 +5104,7 @@
           <a:p>
             <a:fld id="{DBFB922E-2157-4038-A8B0-70732249812D}" type="datetimeFigureOut">
               <a:rPr lang="hu-HU" smtClean="0"/>
-              <a:t>2022.09.13.</a:t>
+              <a:t>2022.09.14.</a:t>
             </a:fld>
             <a:endParaRPr lang="hu-HU" dirty="0"/>
           </a:p>
@@ -5347,7 +5347,7 @@
           <a:p>
             <a:fld id="{DBFB922E-2157-4038-A8B0-70732249812D}" type="datetimeFigureOut">
               <a:rPr lang="hu-HU" smtClean="0"/>
-              <a:t>2022.09.13.</a:t>
+              <a:t>2022.09.14.</a:t>
             </a:fld>
             <a:endParaRPr lang="hu-HU" dirty="0"/>
           </a:p>
@@ -6014,7 +6014,7 @@
   </p:clrMapOvr>
   <mc:AlternateContent xmlns:mc="http://schemas.openxmlformats.org/markup-compatibility/2006">
     <mc:Choice xmlns:p15="http://schemas.microsoft.com/office/powerpoint/2012/main" Requires="p15">
-      <p:transition xmlns:p14="http://schemas.microsoft.com/office/powerpoint/2010/main" spd="slow" p14:dur="2500">
+      <p:transition xmlns:p14="http://schemas.microsoft.com/office/powerpoint/2010/main" spd="slow" p14:dur="1500">
         <p15:prstTrans prst="origami"/>
       </p:transition>
     </mc:Choice>
@@ -6209,11 +6209,11 @@
   <p:clrMapOvr>
     <a:masterClrMapping/>
   </p:clrMapOvr>
-  <mc:AlternateContent xmlns:mc="http://schemas.openxmlformats.org/markup-compatibility/2006">
-    <mc:Choice xmlns:p14="http://schemas.microsoft.com/office/powerpoint/2010/main" Requires="p14">
+  <mc:AlternateContent xmlns:mc="http://schemas.openxmlformats.org/markup-compatibility/2006" xmlns:p14="http://schemas.microsoft.com/office/powerpoint/2010/main">
+    <mc:Choice Requires="p14">
       <p:transition p14:dur="0" advTm="500"/>
     </mc:Choice>
-    <mc:Fallback>
+    <mc:Fallback xmlns="">
       <p:transition advTm="500"/>
     </mc:Fallback>
   </mc:AlternateContent>
@@ -6700,6 +6700,26 @@
             <a:r>
               <a:rPr lang="hu-HU" dirty="0" err="1" smtClean="0"/>
               <a:t>Wikipédia</a:t>
+            </a:r>
+            <a:endParaRPr lang="hu-HU" dirty="0" smtClean="0"/>
+          </a:p>
+          <a:p>
+            <a:pPr lvl="1"/>
+            <a:r>
+              <a:rPr lang="hu-HU" dirty="0"/>
+              <a:t>CSME-</a:t>
+            </a:r>
+            <a:r>
+              <a:rPr lang="hu-HU" dirty="0" err="1"/>
+              <a:t>ea</a:t>
+            </a:r>
+            <a:r>
+              <a:rPr lang="hu-HU" dirty="0"/>
+              <a:t>-_</a:t>
+            </a:r>
+            <a:r>
+              <a:rPr lang="hu-HU" dirty="0" err="1"/>
+              <a:t>Prezentacios_technikak</a:t>
             </a:r>
             <a:endParaRPr lang="hu-HU" dirty="0" smtClean="0"/>
           </a:p>
@@ -8999,11 +9019,11 @@
   <p:clrMapOvr>
     <a:masterClrMapping/>
   </p:clrMapOvr>
-  <mc:AlternateContent xmlns:mc="http://schemas.openxmlformats.org/markup-compatibility/2006" xmlns:p14="http://schemas.microsoft.com/office/powerpoint/2010/main">
-    <mc:Choice Requires="p14">
-      <p:transition p14:dur="0"/>
+  <mc:AlternateContent xmlns:mc="http://schemas.openxmlformats.org/markup-compatibility/2006">
+    <mc:Choice xmlns:p14="http://schemas.microsoft.com/office/powerpoint/2010/main" Requires="p14">
+      <p:transition p14:dur="10"/>
     </mc:Choice>
-    <mc:Fallback xmlns="">
+    <mc:Fallback>
       <p:transition/>
     </mc:Fallback>
   </mc:AlternateContent>
